--- a/GDI-II-Etapa02/GRUPO03/PPT GRUPAL COLEGIO.pptx
+++ b/GDI-II-Etapa02/GRUPO03/PPT GRUPAL COLEGIO.pptx
@@ -324,7 +324,7 @@
           <a:p>
             <a:fld id="{E053C25D-A749-48CD-BBF8-26B264D7E97D}" type="datetimeFigureOut">
               <a:rPr lang="es-ES" smtClean="0"/>
-              <a:t>25/10/2017</a:t>
+              <a:t>11/11/2017</a:t>
             </a:fld>
             <a:endParaRPr lang="es-ES"/>
           </a:p>
@@ -662,7 +662,7 @@
           <a:p>
             <a:fld id="{E053C25D-A749-48CD-BBF8-26B264D7E97D}" type="datetimeFigureOut">
               <a:rPr lang="es-ES" smtClean="0"/>
-              <a:t>25/10/2017</a:t>
+              <a:t>11/11/2017</a:t>
             </a:fld>
             <a:endParaRPr lang="es-ES"/>
           </a:p>
@@ -1063,7 +1063,7 @@
           <a:p>
             <a:fld id="{E053C25D-A749-48CD-BBF8-26B264D7E97D}" type="datetimeFigureOut">
               <a:rPr lang="es-ES" smtClean="0"/>
-              <a:t>25/10/2017</a:t>
+              <a:t>11/11/2017</a:t>
             </a:fld>
             <a:endParaRPr lang="es-ES"/>
           </a:p>
@@ -1399,7 +1399,7 @@
           <a:p>
             <a:fld id="{E053C25D-A749-48CD-BBF8-26B264D7E97D}" type="datetimeFigureOut">
               <a:rPr lang="es-ES" smtClean="0"/>
-              <a:t>25/10/2017</a:t>
+              <a:t>11/11/2017</a:t>
             </a:fld>
             <a:endParaRPr lang="es-ES"/>
           </a:p>
@@ -1719,7 +1719,7 @@
           <a:p>
             <a:fld id="{E053C25D-A749-48CD-BBF8-26B264D7E97D}" type="datetimeFigureOut">
               <a:rPr lang="es-ES" smtClean="0"/>
-              <a:t>25/10/2017</a:t>
+              <a:t>11/11/2017</a:t>
             </a:fld>
             <a:endParaRPr lang="es-ES"/>
           </a:p>
@@ -2115,7 +2115,7 @@
           <a:p>
             <a:fld id="{E053C25D-A749-48CD-BBF8-26B264D7E97D}" type="datetimeFigureOut">
               <a:rPr lang="es-ES" smtClean="0"/>
-              <a:t>25/10/2017</a:t>
+              <a:t>11/11/2017</a:t>
             </a:fld>
             <a:endParaRPr lang="es-ES"/>
           </a:p>
@@ -2372,7 +2372,7 @@
           <a:p>
             <a:fld id="{E053C25D-A749-48CD-BBF8-26B264D7E97D}" type="datetimeFigureOut">
               <a:rPr lang="es-ES" smtClean="0"/>
-              <a:t>25/10/2017</a:t>
+              <a:t>11/11/2017</a:t>
             </a:fld>
             <a:endParaRPr lang="es-ES"/>
           </a:p>
@@ -2634,7 +2634,7 @@
           <a:p>
             <a:fld id="{E053C25D-A749-48CD-BBF8-26B264D7E97D}" type="datetimeFigureOut">
               <a:rPr lang="es-ES" smtClean="0"/>
-              <a:t>25/10/2017</a:t>
+              <a:t>11/11/2017</a:t>
             </a:fld>
             <a:endParaRPr lang="es-ES"/>
           </a:p>
@@ -2896,7 +2896,7 @@
           <a:p>
             <a:fld id="{E053C25D-A749-48CD-BBF8-26B264D7E97D}" type="datetimeFigureOut">
               <a:rPr lang="es-ES" smtClean="0"/>
-              <a:t>25/10/2017</a:t>
+              <a:t>11/11/2017</a:t>
             </a:fld>
             <a:endParaRPr lang="es-ES"/>
           </a:p>
@@ -3225,7 +3225,7 @@
           <a:p>
             <a:fld id="{E053C25D-A749-48CD-BBF8-26B264D7E97D}" type="datetimeFigureOut">
               <a:rPr lang="es-ES" smtClean="0"/>
-              <a:t>25/10/2017</a:t>
+              <a:t>11/11/2017</a:t>
             </a:fld>
             <a:endParaRPr lang="es-ES"/>
           </a:p>
@@ -3548,7 +3548,7 @@
           <a:p>
             <a:fld id="{E053C25D-A749-48CD-BBF8-26B264D7E97D}" type="datetimeFigureOut">
               <a:rPr lang="es-ES" smtClean="0"/>
-              <a:t>25/10/2017</a:t>
+              <a:t>11/11/2017</a:t>
             </a:fld>
             <a:endParaRPr lang="es-ES"/>
           </a:p>
@@ -4005,7 +4005,7 @@
           <a:p>
             <a:fld id="{E053C25D-A749-48CD-BBF8-26B264D7E97D}" type="datetimeFigureOut">
               <a:rPr lang="es-ES" smtClean="0"/>
-              <a:t>25/10/2017</a:t>
+              <a:t>11/11/2017</a:t>
             </a:fld>
             <a:endParaRPr lang="es-ES"/>
           </a:p>
@@ -4210,7 +4210,7 @@
           <a:p>
             <a:fld id="{E053C25D-A749-48CD-BBF8-26B264D7E97D}" type="datetimeFigureOut">
               <a:rPr lang="es-ES" smtClean="0"/>
-              <a:t>25/10/2017</a:t>
+              <a:t>11/11/2017</a:t>
             </a:fld>
             <a:endParaRPr lang="es-ES"/>
           </a:p>
@@ -4387,7 +4387,7 @@
           <a:p>
             <a:fld id="{E053C25D-A749-48CD-BBF8-26B264D7E97D}" type="datetimeFigureOut">
               <a:rPr lang="es-ES" smtClean="0"/>
-              <a:t>25/10/2017</a:t>
+              <a:t>11/11/2017</a:t>
             </a:fld>
             <a:endParaRPr lang="es-ES"/>
           </a:p>
@@ -4720,7 +4720,7 @@
           <a:p>
             <a:fld id="{E053C25D-A749-48CD-BBF8-26B264D7E97D}" type="datetimeFigureOut">
               <a:rPr lang="es-ES" smtClean="0"/>
-              <a:t>25/10/2017</a:t>
+              <a:t>11/11/2017</a:t>
             </a:fld>
             <a:endParaRPr lang="es-ES"/>
           </a:p>
@@ -5065,7 +5065,7 @@
           <a:p>
             <a:fld id="{E053C25D-A749-48CD-BBF8-26B264D7E97D}" type="datetimeFigureOut">
               <a:rPr lang="es-ES" smtClean="0"/>
-              <a:t>25/10/2017</a:t>
+              <a:t>11/11/2017</a:t>
             </a:fld>
             <a:endParaRPr lang="es-ES"/>
           </a:p>
@@ -7182,7 +7182,7 @@
           <a:p>
             <a:fld id="{E053C25D-A749-48CD-BBF8-26B264D7E97D}" type="datetimeFigureOut">
               <a:rPr lang="es-ES" smtClean="0"/>
-              <a:t>25/10/2017</a:t>
+              <a:t>11/11/2017</a:t>
             </a:fld>
             <a:endParaRPr lang="es-ES"/>
           </a:p>
@@ -7704,7 +7704,7 @@
           <p:cNvPr id="2" name="Título 1">
             <a:extLst>
               <a:ext uri="{FF2B5EF4-FFF2-40B4-BE49-F238E27FC236}">
-                <a16:creationId xmlns:a16="http://schemas.microsoft.com/office/drawing/2014/main" id="{C00E9C10-56E2-4513-9507-348F289918E7}"/>
+                <a16:creationId xmlns:a16="http://schemas.microsoft.com/office/drawing/2014/main" xmlns="" id="{C00E9C10-56E2-4513-9507-348F289918E7}"/>
               </a:ext>
             </a:extLst>
           </p:cNvPr>
@@ -7749,7 +7749,7 @@
           <p:cNvPr id="3" name="Subtítulo 2">
             <a:extLst>
               <a:ext uri="{FF2B5EF4-FFF2-40B4-BE49-F238E27FC236}">
-                <a16:creationId xmlns:a16="http://schemas.microsoft.com/office/drawing/2014/main" id="{D3430C8C-F78E-4DB8-AA85-737EA7AFAB8B}"/>
+                <a16:creationId xmlns:a16="http://schemas.microsoft.com/office/drawing/2014/main" xmlns="" id="{D3430C8C-F78E-4DB8-AA85-737EA7AFAB8B}"/>
               </a:ext>
             </a:extLst>
           </p:cNvPr>
@@ -7760,42 +7760,47 @@
             <p:ph type="subTitle" idx="1"/>
           </p:nvPr>
         </p:nvSpPr>
-        <p:spPr/>
+        <p:spPr>
+          <a:xfrm>
+            <a:off x="2589213" y="4777379"/>
+            <a:ext cx="3910199" cy="1668245"/>
+          </a:xfrm>
+        </p:spPr>
         <p:txBody>
           <a:bodyPr>
-            <a:normAutofit fontScale="40000" lnSpcReduction="20000"/>
+            <a:noAutofit/>
           </a:bodyPr>
           <a:lstStyle/>
           <a:p>
             <a:r>
-              <a:rPr lang="es-PE" dirty="0"/>
+              <a:rPr lang="es-PE" sz="1200" b="1" dirty="0"/>
               <a:t>BAHAMONDE ROMERO NOE</a:t>
             </a:r>
           </a:p>
           <a:p>
             <a:r>
-              <a:rPr lang="es-PE" dirty="0"/>
+              <a:rPr lang="es-PE" sz="1200" b="1" dirty="0"/>
               <a:t>MALDONADO JIMENEZ PABLO</a:t>
             </a:r>
           </a:p>
           <a:p>
             <a:r>
-              <a:rPr lang="es-PE" dirty="0"/>
+              <a:rPr lang="es-PE" sz="1200" b="1" dirty="0"/>
               <a:t>ZUÑIGA HUARACA KENNY</a:t>
             </a:r>
           </a:p>
           <a:p>
             <a:r>
-              <a:rPr lang="es-PE" dirty="0"/>
+              <a:rPr lang="es-PE" sz="1200" b="1" dirty="0"/>
               <a:t>SOTO CHILENO JEAN</a:t>
             </a:r>
           </a:p>
           <a:p>
             <a:r>
-              <a:rPr lang="es-PE" dirty="0"/>
+              <a:rPr lang="es-PE" sz="1200" b="1" dirty="0"/>
               <a:t>GONGORA AQUINO DIEGO</a:t>
             </a:r>
-            <a:endParaRPr lang="es-ES" dirty="0"/>
+            <a:endParaRPr lang="es-ES" sz="1200" b="1" dirty="0"/>
           </a:p>
         </p:txBody>
       </p:sp>
@@ -7841,7 +7846,7 @@
           <p:cNvPr id="2" name="Título 1">
             <a:extLst>
               <a:ext uri="{FF2B5EF4-FFF2-40B4-BE49-F238E27FC236}">
-                <a16:creationId xmlns:a16="http://schemas.microsoft.com/office/drawing/2014/main" id="{C76F8FCA-16A7-49E1-B0C3-AF4AC872434E}"/>
+                <a16:creationId xmlns:a16="http://schemas.microsoft.com/office/drawing/2014/main" xmlns="" id="{C76F8FCA-16A7-49E1-B0C3-AF4AC872434E}"/>
               </a:ext>
             </a:extLst>
           </p:cNvPr>
@@ -7881,7 +7886,7 @@
           <p:cNvPr id="4" name="Marcador de contenido 3">
             <a:extLst>
               <a:ext uri="{FF2B5EF4-FFF2-40B4-BE49-F238E27FC236}">
-                <a16:creationId xmlns:a16="http://schemas.microsoft.com/office/drawing/2014/main" id="{CF35D6E4-9B27-4759-A592-68F84CD1A90D}"/>
+                <a16:creationId xmlns:a16="http://schemas.microsoft.com/office/drawing/2014/main" xmlns="" id="{CF35D6E4-9B27-4759-A592-68F84CD1A90D}"/>
               </a:ext>
             </a:extLst>
           </p:cNvPr>
@@ -7950,7 +7955,7 @@
           <p:cNvPr id="2" name="Título 1">
             <a:extLst>
               <a:ext uri="{FF2B5EF4-FFF2-40B4-BE49-F238E27FC236}">
-                <a16:creationId xmlns:a16="http://schemas.microsoft.com/office/drawing/2014/main" id="{81917C1D-9ED8-4E26-9F4C-54EB026F6D1C}"/>
+                <a16:creationId xmlns:a16="http://schemas.microsoft.com/office/drawing/2014/main" xmlns="" id="{81917C1D-9ED8-4E26-9F4C-54EB026F6D1C}"/>
               </a:ext>
             </a:extLst>
           </p:cNvPr>
@@ -7978,7 +7983,7 @@
           <p:cNvPr id="6" name="Marcador de contenido 5">
             <a:extLst>
               <a:ext uri="{FF2B5EF4-FFF2-40B4-BE49-F238E27FC236}">
-                <a16:creationId xmlns:a16="http://schemas.microsoft.com/office/drawing/2014/main" id="{D5DBD0BA-DC4D-48B7-82DE-CDC9B91E7D90}"/>
+                <a16:creationId xmlns:a16="http://schemas.microsoft.com/office/drawing/2014/main" xmlns="" id="{D5DBD0BA-DC4D-48B7-82DE-CDC9B91E7D90}"/>
               </a:ext>
             </a:extLst>
           </p:cNvPr>
@@ -8047,7 +8052,7 @@
           <p:cNvPr id="2" name="Título 1">
             <a:extLst>
               <a:ext uri="{FF2B5EF4-FFF2-40B4-BE49-F238E27FC236}">
-                <a16:creationId xmlns:a16="http://schemas.microsoft.com/office/drawing/2014/main" id="{4C8B583C-3B60-4FF2-8115-0E0D1233D7D3}"/>
+                <a16:creationId xmlns:a16="http://schemas.microsoft.com/office/drawing/2014/main" xmlns="" id="{4C8B583C-3B60-4FF2-8115-0E0D1233D7D3}"/>
               </a:ext>
             </a:extLst>
           </p:cNvPr>
@@ -8084,7 +8089,7 @@
           <p:cNvPr id="7" name="Imagen 6">
             <a:extLst>
               <a:ext uri="{FF2B5EF4-FFF2-40B4-BE49-F238E27FC236}">
-                <a16:creationId xmlns:a16="http://schemas.microsoft.com/office/drawing/2014/main" id="{800FD9C6-6A42-4235-A28C-A3F8BC26F29B}"/>
+                <a16:creationId xmlns:a16="http://schemas.microsoft.com/office/drawing/2014/main" xmlns="" id="{800FD9C6-6A42-4235-A28C-A3F8BC26F29B}"/>
               </a:ext>
             </a:extLst>
           </p:cNvPr>
@@ -8171,7 +8176,7 @@
           <p:cNvPr id="2" name="Título 1">
             <a:extLst>
               <a:ext uri="{FF2B5EF4-FFF2-40B4-BE49-F238E27FC236}">
-                <a16:creationId xmlns:a16="http://schemas.microsoft.com/office/drawing/2014/main" id="{92A50C53-B0A5-41AD-A791-1E8846B43C07}"/>
+                <a16:creationId xmlns:a16="http://schemas.microsoft.com/office/drawing/2014/main" xmlns="" id="{92A50C53-B0A5-41AD-A791-1E8846B43C07}"/>
               </a:ext>
             </a:extLst>
           </p:cNvPr>
@@ -8212,7 +8217,7 @@
           <p:cNvPr id="5" name="Marcador de contenido 4">
             <a:extLst>
               <a:ext uri="{FF2B5EF4-FFF2-40B4-BE49-F238E27FC236}">
-                <a16:creationId xmlns:a16="http://schemas.microsoft.com/office/drawing/2014/main" id="{C97EEB65-FBC7-4433-859F-E68D0E04D17B}"/>
+                <a16:creationId xmlns:a16="http://schemas.microsoft.com/office/drawing/2014/main" xmlns="" id="{C97EEB65-FBC7-4433-859F-E68D0E04D17B}"/>
               </a:ext>
             </a:extLst>
           </p:cNvPr>
@@ -8301,7 +8306,7 @@
           <p:cNvPr id="2" name="Título 1">
             <a:extLst>
               <a:ext uri="{FF2B5EF4-FFF2-40B4-BE49-F238E27FC236}">
-                <a16:creationId xmlns:a16="http://schemas.microsoft.com/office/drawing/2014/main" id="{520BB5E9-DF96-4AE9-AE95-2A377C470770}"/>
+                <a16:creationId xmlns:a16="http://schemas.microsoft.com/office/drawing/2014/main" xmlns="" id="{520BB5E9-DF96-4AE9-AE95-2A377C470770}"/>
               </a:ext>
             </a:extLst>
           </p:cNvPr>
@@ -8334,7 +8339,7 @@
           <p:cNvPr id="5" name="Marcador de contenido 4">
             <a:extLst>
               <a:ext uri="{FF2B5EF4-FFF2-40B4-BE49-F238E27FC236}">
-                <a16:creationId xmlns:a16="http://schemas.microsoft.com/office/drawing/2014/main" id="{A13F736A-B553-405A-9B96-7B5E13FC14D6}"/>
+                <a16:creationId xmlns:a16="http://schemas.microsoft.com/office/drawing/2014/main" xmlns="" id="{A13F736A-B553-405A-9B96-7B5E13FC14D6}"/>
               </a:ext>
             </a:extLst>
           </p:cNvPr>
@@ -8423,7 +8428,7 @@
           <p:cNvPr id="2" name="Título 1">
             <a:extLst>
               <a:ext uri="{FF2B5EF4-FFF2-40B4-BE49-F238E27FC236}">
-                <a16:creationId xmlns:a16="http://schemas.microsoft.com/office/drawing/2014/main" id="{600DD2E8-BC31-4948-9FB6-C836C1BE442B}"/>
+                <a16:creationId xmlns:a16="http://schemas.microsoft.com/office/drawing/2014/main" xmlns="" id="{600DD2E8-BC31-4948-9FB6-C836C1BE442B}"/>
               </a:ext>
             </a:extLst>
           </p:cNvPr>
@@ -8463,7 +8468,7 @@
           <p:cNvPr id="5" name="Marcador de contenido 4">
             <a:extLst>
               <a:ext uri="{FF2B5EF4-FFF2-40B4-BE49-F238E27FC236}">
-                <a16:creationId xmlns:a16="http://schemas.microsoft.com/office/drawing/2014/main" id="{F489C2B4-D8A3-476A-9AD1-D57F99E0E46E}"/>
+                <a16:creationId xmlns:a16="http://schemas.microsoft.com/office/drawing/2014/main" xmlns="" id="{F489C2B4-D8A3-476A-9AD1-D57F99E0E46E}"/>
               </a:ext>
             </a:extLst>
           </p:cNvPr>
@@ -8552,7 +8557,7 @@
           <p:cNvPr id="2" name="Título 1">
             <a:extLst>
               <a:ext uri="{FF2B5EF4-FFF2-40B4-BE49-F238E27FC236}">
-                <a16:creationId xmlns:a16="http://schemas.microsoft.com/office/drawing/2014/main" id="{28249F13-B22E-447E-AB6A-2725115A6CCE}"/>
+                <a16:creationId xmlns:a16="http://schemas.microsoft.com/office/drawing/2014/main" xmlns="" id="{28249F13-B22E-447E-AB6A-2725115A6CCE}"/>
               </a:ext>
             </a:extLst>
           </p:cNvPr>
@@ -8585,7 +8590,7 @@
           <p:cNvPr id="5" name="Marcador de contenido 4">
             <a:extLst>
               <a:ext uri="{FF2B5EF4-FFF2-40B4-BE49-F238E27FC236}">
-                <a16:creationId xmlns:a16="http://schemas.microsoft.com/office/drawing/2014/main" id="{92DD0E3F-E623-4E7A-BEB7-6EDA07DC32E0}"/>
+                <a16:creationId xmlns:a16="http://schemas.microsoft.com/office/drawing/2014/main" xmlns="" id="{92DD0E3F-E623-4E7A-BEB7-6EDA07DC32E0}"/>
               </a:ext>
             </a:extLst>
           </p:cNvPr>
@@ -8674,7 +8679,7 @@
           <p:cNvPr id="2" name="Título 1">
             <a:extLst>
               <a:ext uri="{FF2B5EF4-FFF2-40B4-BE49-F238E27FC236}">
-                <a16:creationId xmlns:a16="http://schemas.microsoft.com/office/drawing/2014/main" id="{E57318A1-D8D4-4457-A385-A87EB95D646B}"/>
+                <a16:creationId xmlns:a16="http://schemas.microsoft.com/office/drawing/2014/main" xmlns="" id="{E57318A1-D8D4-4457-A385-A87EB95D646B}"/>
               </a:ext>
             </a:extLst>
           </p:cNvPr>
@@ -8707,7 +8712,7 @@
           <p:cNvPr id="5" name="Marcador de contenido 4">
             <a:extLst>
               <a:ext uri="{FF2B5EF4-FFF2-40B4-BE49-F238E27FC236}">
-                <a16:creationId xmlns:a16="http://schemas.microsoft.com/office/drawing/2014/main" id="{3404AE81-4E2A-41E9-8FB9-FF720ECE3B54}"/>
+                <a16:creationId xmlns:a16="http://schemas.microsoft.com/office/drawing/2014/main" xmlns="" id="{3404AE81-4E2A-41E9-8FB9-FF720ECE3B54}"/>
               </a:ext>
             </a:extLst>
           </p:cNvPr>
@@ -8796,7 +8801,7 @@
           <p:cNvPr id="2" name="Título 1">
             <a:extLst>
               <a:ext uri="{FF2B5EF4-FFF2-40B4-BE49-F238E27FC236}">
-                <a16:creationId xmlns:a16="http://schemas.microsoft.com/office/drawing/2014/main" id="{05482D3C-40A9-4BED-B5D0-62A76027D147}"/>
+                <a16:creationId xmlns:a16="http://schemas.microsoft.com/office/drawing/2014/main" xmlns="" id="{05482D3C-40A9-4BED-B5D0-62A76027D147}"/>
               </a:ext>
             </a:extLst>
           </p:cNvPr>
@@ -8845,7 +8850,7 @@
           <p:cNvPr id="12" name="Imagen 11">
             <a:extLst>
               <a:ext uri="{FF2B5EF4-FFF2-40B4-BE49-F238E27FC236}">
-                <a16:creationId xmlns:a16="http://schemas.microsoft.com/office/drawing/2014/main" id="{701FD020-E37D-4D4E-8228-B0F79DF48D5E}"/>
+                <a16:creationId xmlns:a16="http://schemas.microsoft.com/office/drawing/2014/main" xmlns="" id="{701FD020-E37D-4D4E-8228-B0F79DF48D5E}"/>
               </a:ext>
             </a:extLst>
           </p:cNvPr>
@@ -8889,7 +8894,7 @@
           <p:cNvPr id="13" name="Imagen 12">
             <a:extLst>
               <a:ext uri="{FF2B5EF4-FFF2-40B4-BE49-F238E27FC236}">
-                <a16:creationId xmlns:a16="http://schemas.microsoft.com/office/drawing/2014/main" id="{95796B86-BBCF-478D-86BC-0A4DAA822259}"/>
+                <a16:creationId xmlns:a16="http://schemas.microsoft.com/office/drawing/2014/main" xmlns="" id="{95796B86-BBCF-478D-86BC-0A4DAA822259}"/>
               </a:ext>
             </a:extLst>
           </p:cNvPr>
@@ -8933,7 +8938,7 @@
           <p:cNvPr id="14" name="Imagen 13">
             <a:extLst>
               <a:ext uri="{FF2B5EF4-FFF2-40B4-BE49-F238E27FC236}">
-                <a16:creationId xmlns:a16="http://schemas.microsoft.com/office/drawing/2014/main" id="{FD96DC53-F3B3-44ED-B1BA-4D528737BA38}"/>
+                <a16:creationId xmlns:a16="http://schemas.microsoft.com/office/drawing/2014/main" xmlns="" id="{FD96DC53-F3B3-44ED-B1BA-4D528737BA38}"/>
               </a:ext>
             </a:extLst>
           </p:cNvPr>
@@ -9014,7 +9019,7 @@
           <p:cNvPr id="2" name="Título 1">
             <a:extLst>
               <a:ext uri="{FF2B5EF4-FFF2-40B4-BE49-F238E27FC236}">
-                <a16:creationId xmlns:a16="http://schemas.microsoft.com/office/drawing/2014/main" id="{05482D3C-40A9-4BED-B5D0-62A76027D147}"/>
+                <a16:creationId xmlns:a16="http://schemas.microsoft.com/office/drawing/2014/main" xmlns="" id="{05482D3C-40A9-4BED-B5D0-62A76027D147}"/>
               </a:ext>
             </a:extLst>
           </p:cNvPr>
@@ -9056,7 +9061,7 @@
           <p:cNvPr id="4" name="Imagen 3">
             <a:extLst>
               <a:ext uri="{FF2B5EF4-FFF2-40B4-BE49-F238E27FC236}">
-                <a16:creationId xmlns:a16="http://schemas.microsoft.com/office/drawing/2014/main" id="{BA1D8621-430B-4797-869C-24FC53229EAF}"/>
+                <a16:creationId xmlns:a16="http://schemas.microsoft.com/office/drawing/2014/main" xmlns="" id="{BA1D8621-430B-4797-869C-24FC53229EAF}"/>
               </a:ext>
             </a:extLst>
           </p:cNvPr>
@@ -9100,7 +9105,7 @@
           <p:cNvPr id="5" name="Imagen 4">
             <a:extLst>
               <a:ext uri="{FF2B5EF4-FFF2-40B4-BE49-F238E27FC236}">
-                <a16:creationId xmlns:a16="http://schemas.microsoft.com/office/drawing/2014/main" id="{D72C7A80-7462-46F0-989A-91395B793A78}"/>
+                <a16:creationId xmlns:a16="http://schemas.microsoft.com/office/drawing/2014/main" xmlns="" id="{D72C7A80-7462-46F0-989A-91395B793A78}"/>
               </a:ext>
             </a:extLst>
           </p:cNvPr>
@@ -9144,7 +9149,7 @@
           <p:cNvPr id="6" name="Imagen 5">
             <a:extLst>
               <a:ext uri="{FF2B5EF4-FFF2-40B4-BE49-F238E27FC236}">
-                <a16:creationId xmlns:a16="http://schemas.microsoft.com/office/drawing/2014/main" id="{3BBF799B-F5E4-4BAC-848B-D8F6BBCA8E38}"/>
+                <a16:creationId xmlns:a16="http://schemas.microsoft.com/office/drawing/2014/main" xmlns="" id="{3BBF799B-F5E4-4BAC-848B-D8F6BBCA8E38}"/>
               </a:ext>
             </a:extLst>
           </p:cNvPr>
@@ -9225,7 +9230,7 @@
           <p:cNvPr id="2" name="Título 1">
             <a:extLst>
               <a:ext uri="{FF2B5EF4-FFF2-40B4-BE49-F238E27FC236}">
-                <a16:creationId xmlns:a16="http://schemas.microsoft.com/office/drawing/2014/main" id="{9B709F9E-9C06-44B6-A724-CCF5DA71D0D1}"/>
+                <a16:creationId xmlns:a16="http://schemas.microsoft.com/office/drawing/2014/main" xmlns="" id="{9B709F9E-9C06-44B6-A724-CCF5DA71D0D1}"/>
               </a:ext>
             </a:extLst>
           </p:cNvPr>
@@ -9258,7 +9263,7 @@
           <p:cNvPr id="4" name="Marcador de contenido 3">
             <a:extLst>
               <a:ext uri="{FF2B5EF4-FFF2-40B4-BE49-F238E27FC236}">
-                <a16:creationId xmlns:a16="http://schemas.microsoft.com/office/drawing/2014/main" id="{FB467B98-35DB-4C20-B712-6263A9D2D68C}"/>
+                <a16:creationId xmlns:a16="http://schemas.microsoft.com/office/drawing/2014/main" xmlns="" id="{FB467B98-35DB-4C20-B712-6263A9D2D68C}"/>
               </a:ext>
             </a:extLst>
           </p:cNvPr>
@@ -9296,7 +9301,7 @@
           <p:cNvPr id="5" name="Imagen 4">
             <a:extLst>
               <a:ext uri="{FF2B5EF4-FFF2-40B4-BE49-F238E27FC236}">
-                <a16:creationId xmlns:a16="http://schemas.microsoft.com/office/drawing/2014/main" id="{CBA80596-D32D-4AD5-B8A7-A3BC3CE94D3E}"/>
+                <a16:creationId xmlns:a16="http://schemas.microsoft.com/office/drawing/2014/main" xmlns="" id="{CBA80596-D32D-4AD5-B8A7-A3BC3CE94D3E}"/>
               </a:ext>
             </a:extLst>
           </p:cNvPr>
@@ -9367,7 +9372,7 @@
           <p:cNvPr id="2" name="Título 1">
             <a:extLst>
               <a:ext uri="{FF2B5EF4-FFF2-40B4-BE49-F238E27FC236}">
-                <a16:creationId xmlns:a16="http://schemas.microsoft.com/office/drawing/2014/main" id="{05482D3C-40A9-4BED-B5D0-62A76027D147}"/>
+                <a16:creationId xmlns:a16="http://schemas.microsoft.com/office/drawing/2014/main" xmlns="" id="{05482D3C-40A9-4BED-B5D0-62A76027D147}"/>
               </a:ext>
             </a:extLst>
           </p:cNvPr>
@@ -9409,7 +9414,7 @@
           <p:cNvPr id="6" name="Imagen 5">
             <a:extLst>
               <a:ext uri="{FF2B5EF4-FFF2-40B4-BE49-F238E27FC236}">
-                <a16:creationId xmlns:a16="http://schemas.microsoft.com/office/drawing/2014/main" id="{3BBF799B-F5E4-4BAC-848B-D8F6BBCA8E38}"/>
+                <a16:creationId xmlns:a16="http://schemas.microsoft.com/office/drawing/2014/main" xmlns="" id="{3BBF799B-F5E4-4BAC-848B-D8F6BBCA8E38}"/>
               </a:ext>
             </a:extLst>
           </p:cNvPr>
@@ -9453,7 +9458,7 @@
           <p:cNvPr id="7" name="Imagen 6">
             <a:extLst>
               <a:ext uri="{FF2B5EF4-FFF2-40B4-BE49-F238E27FC236}">
-                <a16:creationId xmlns:a16="http://schemas.microsoft.com/office/drawing/2014/main" id="{6BB89199-A75F-45EE-BCA1-E0670C6AEE2B}"/>
+                <a16:creationId xmlns:a16="http://schemas.microsoft.com/office/drawing/2014/main" xmlns="" id="{6BB89199-A75F-45EE-BCA1-E0670C6AEE2B}"/>
               </a:ext>
             </a:extLst>
           </p:cNvPr>
@@ -9497,7 +9502,7 @@
           <p:cNvPr id="8" name="Imagen 7">
             <a:extLst>
               <a:ext uri="{FF2B5EF4-FFF2-40B4-BE49-F238E27FC236}">
-                <a16:creationId xmlns:a16="http://schemas.microsoft.com/office/drawing/2014/main" id="{26819E62-957B-424F-BA0B-244448466B77}"/>
+                <a16:creationId xmlns:a16="http://schemas.microsoft.com/office/drawing/2014/main" xmlns="" id="{26819E62-957B-424F-BA0B-244448466B77}"/>
               </a:ext>
             </a:extLst>
           </p:cNvPr>
@@ -9578,7 +9583,7 @@
           <p:cNvPr id="2" name="Título 1">
             <a:extLst>
               <a:ext uri="{FF2B5EF4-FFF2-40B4-BE49-F238E27FC236}">
-                <a16:creationId xmlns:a16="http://schemas.microsoft.com/office/drawing/2014/main" id="{14ABFE34-181B-42F8-AA89-2816407B51D4}"/>
+                <a16:creationId xmlns:a16="http://schemas.microsoft.com/office/drawing/2014/main" xmlns="" id="{14ABFE34-181B-42F8-AA89-2816407B51D4}"/>
               </a:ext>
             </a:extLst>
           </p:cNvPr>
@@ -9607,7 +9612,7 @@
           <p:cNvPr id="3" name="Marcador de contenido 2">
             <a:extLst>
               <a:ext uri="{FF2B5EF4-FFF2-40B4-BE49-F238E27FC236}">
-                <a16:creationId xmlns:a16="http://schemas.microsoft.com/office/drawing/2014/main" id="{A31197D9-C1B6-4DC1-B814-0F4BC96F5912}"/>
+                <a16:creationId xmlns:a16="http://schemas.microsoft.com/office/drawing/2014/main" xmlns="" id="{A31197D9-C1B6-4DC1-B814-0F4BC96F5912}"/>
               </a:ext>
             </a:extLst>
           </p:cNvPr>
@@ -9627,7 +9632,6 @@
               <a:rPr lang="es-ES" dirty="0"/>
               <a:t>https://www.youtube.com/watch?v=nBWJvK3luFA</a:t>
             </a:r>
-            <a:endParaRPr lang="es-ES" dirty="0"/>
           </a:p>
         </p:txBody>
       </p:sp>
@@ -9673,7 +9677,7 @@
           <p:cNvPr id="2" name="Título 1">
             <a:extLst>
               <a:ext uri="{FF2B5EF4-FFF2-40B4-BE49-F238E27FC236}">
-                <a16:creationId xmlns:a16="http://schemas.microsoft.com/office/drawing/2014/main" id="{E17B2F61-4229-4692-A713-9B85E3435C12}"/>
+                <a16:creationId xmlns:a16="http://schemas.microsoft.com/office/drawing/2014/main" xmlns="" id="{E17B2F61-4229-4692-A713-9B85E3435C12}"/>
               </a:ext>
             </a:extLst>
           </p:cNvPr>
@@ -9701,7 +9705,7 @@
           <p:cNvPr id="4" name="Marcador de contenido 3">
             <a:extLst>
               <a:ext uri="{FF2B5EF4-FFF2-40B4-BE49-F238E27FC236}">
-                <a16:creationId xmlns:a16="http://schemas.microsoft.com/office/drawing/2014/main" id="{067BFE6F-B3FC-4C9A-9925-3785E577C95B}"/>
+                <a16:creationId xmlns:a16="http://schemas.microsoft.com/office/drawing/2014/main" xmlns="" id="{067BFE6F-B3FC-4C9A-9925-3785E577C95B}"/>
               </a:ext>
             </a:extLst>
           </p:cNvPr>
@@ -9776,7 +9780,7 @@
           <p:cNvPr id="2" name="Título 1">
             <a:extLst>
               <a:ext uri="{FF2B5EF4-FFF2-40B4-BE49-F238E27FC236}">
-                <a16:creationId xmlns:a16="http://schemas.microsoft.com/office/drawing/2014/main" id="{D5254251-08BC-4B29-A1C9-F22FC00C84EB}"/>
+                <a16:creationId xmlns:a16="http://schemas.microsoft.com/office/drawing/2014/main" xmlns="" id="{D5254251-08BC-4B29-A1C9-F22FC00C84EB}"/>
               </a:ext>
             </a:extLst>
           </p:cNvPr>
@@ -9809,7 +9813,7 @@
           <p:cNvPr id="4" name="Marcador de contenido 3">
             <a:extLst>
               <a:ext uri="{FF2B5EF4-FFF2-40B4-BE49-F238E27FC236}">
-                <a16:creationId xmlns:a16="http://schemas.microsoft.com/office/drawing/2014/main" id="{AADD391A-B3DD-4E9A-AB6E-4DF916DFEFFD}"/>
+                <a16:creationId xmlns:a16="http://schemas.microsoft.com/office/drawing/2014/main" xmlns="" id="{AADD391A-B3DD-4E9A-AB6E-4DF916DFEFFD}"/>
               </a:ext>
             </a:extLst>
           </p:cNvPr>
@@ -9841,7 +9845,7 @@
           <p:cNvPr id="5" name="Imagen 4">
             <a:extLst>
               <a:ext uri="{FF2B5EF4-FFF2-40B4-BE49-F238E27FC236}">
-                <a16:creationId xmlns:a16="http://schemas.microsoft.com/office/drawing/2014/main" id="{7F560667-94ED-4695-96EF-D6D8D2033FDC}"/>
+                <a16:creationId xmlns:a16="http://schemas.microsoft.com/office/drawing/2014/main" xmlns="" id="{7F560667-94ED-4695-96EF-D6D8D2033FDC}"/>
               </a:ext>
             </a:extLst>
           </p:cNvPr>
@@ -9908,7 +9912,7 @@
           <p:cNvPr id="2" name="Título 1">
             <a:extLst>
               <a:ext uri="{FF2B5EF4-FFF2-40B4-BE49-F238E27FC236}">
-                <a16:creationId xmlns:a16="http://schemas.microsoft.com/office/drawing/2014/main" id="{8D873271-4153-4E1B-A857-5D3155A90600}"/>
+                <a16:creationId xmlns:a16="http://schemas.microsoft.com/office/drawing/2014/main" xmlns="" id="{8D873271-4153-4E1B-A857-5D3155A90600}"/>
               </a:ext>
             </a:extLst>
           </p:cNvPr>
@@ -9936,7 +9940,7 @@
           <p:cNvPr id="4" name="Marcador de contenido 3">
             <a:extLst>
               <a:ext uri="{FF2B5EF4-FFF2-40B4-BE49-F238E27FC236}">
-                <a16:creationId xmlns:a16="http://schemas.microsoft.com/office/drawing/2014/main" id="{BA4451AE-3D0B-45F4-B72B-1338BF7089FE}"/>
+                <a16:creationId xmlns:a16="http://schemas.microsoft.com/office/drawing/2014/main" xmlns="" id="{BA4451AE-3D0B-45F4-B72B-1338BF7089FE}"/>
               </a:ext>
             </a:extLst>
           </p:cNvPr>
@@ -9968,7 +9972,7 @@
           <p:cNvPr id="5" name="Imagen 4">
             <a:extLst>
               <a:ext uri="{FF2B5EF4-FFF2-40B4-BE49-F238E27FC236}">
-                <a16:creationId xmlns:a16="http://schemas.microsoft.com/office/drawing/2014/main" id="{5FC83047-DAD3-410B-9C34-5482D4215FDC}"/>
+                <a16:creationId xmlns:a16="http://schemas.microsoft.com/office/drawing/2014/main" xmlns="" id="{5FC83047-DAD3-410B-9C34-5482D4215FDC}"/>
               </a:ext>
             </a:extLst>
           </p:cNvPr>
@@ -10035,7 +10039,7 @@
           <p:cNvPr id="2" name="Título 1">
             <a:extLst>
               <a:ext uri="{FF2B5EF4-FFF2-40B4-BE49-F238E27FC236}">
-                <a16:creationId xmlns:a16="http://schemas.microsoft.com/office/drawing/2014/main" id="{0DD82B49-BD61-4E58-B74A-5709E6C98090}"/>
+                <a16:creationId xmlns:a16="http://schemas.microsoft.com/office/drawing/2014/main" xmlns="" id="{0DD82B49-BD61-4E58-B74A-5709E6C98090}"/>
               </a:ext>
             </a:extLst>
           </p:cNvPr>
@@ -10068,7 +10072,7 @@
           <p:cNvPr id="4" name="Marcador de contenido 3">
             <a:extLst>
               <a:ext uri="{FF2B5EF4-FFF2-40B4-BE49-F238E27FC236}">
-                <a16:creationId xmlns:a16="http://schemas.microsoft.com/office/drawing/2014/main" id="{791CBD1C-B429-4CAF-997D-6844D38203C1}"/>
+                <a16:creationId xmlns:a16="http://schemas.microsoft.com/office/drawing/2014/main" xmlns="" id="{791CBD1C-B429-4CAF-997D-6844D38203C1}"/>
               </a:ext>
             </a:extLst>
           </p:cNvPr>
@@ -10100,7 +10104,7 @@
           <p:cNvPr id="5" name="Imagen 4">
             <a:extLst>
               <a:ext uri="{FF2B5EF4-FFF2-40B4-BE49-F238E27FC236}">
-                <a16:creationId xmlns:a16="http://schemas.microsoft.com/office/drawing/2014/main" id="{10159F7F-303E-4A13-A6FC-F98D051C0481}"/>
+                <a16:creationId xmlns:a16="http://schemas.microsoft.com/office/drawing/2014/main" xmlns="" id="{10159F7F-303E-4A13-A6FC-F98D051C0481}"/>
               </a:ext>
             </a:extLst>
           </p:cNvPr>
@@ -10167,7 +10171,7 @@
           <p:cNvPr id="2" name="Título 1">
             <a:extLst>
               <a:ext uri="{FF2B5EF4-FFF2-40B4-BE49-F238E27FC236}">
-                <a16:creationId xmlns:a16="http://schemas.microsoft.com/office/drawing/2014/main" id="{C36BF1EF-4429-46E2-964A-B9F12D0107D0}"/>
+                <a16:creationId xmlns:a16="http://schemas.microsoft.com/office/drawing/2014/main" xmlns="" id="{C36BF1EF-4429-46E2-964A-B9F12D0107D0}"/>
               </a:ext>
             </a:extLst>
           </p:cNvPr>
@@ -10200,7 +10204,7 @@
           <p:cNvPr id="4" name="Marcador de contenido 3">
             <a:extLst>
               <a:ext uri="{FF2B5EF4-FFF2-40B4-BE49-F238E27FC236}">
-                <a16:creationId xmlns:a16="http://schemas.microsoft.com/office/drawing/2014/main" id="{8C9D5A20-19D3-40EC-99FF-828CC3458188}"/>
+                <a16:creationId xmlns:a16="http://schemas.microsoft.com/office/drawing/2014/main" xmlns="" id="{8C9D5A20-19D3-40EC-99FF-828CC3458188}"/>
               </a:ext>
             </a:extLst>
           </p:cNvPr>
@@ -10232,7 +10236,7 @@
           <p:cNvPr id="6" name="Imagen 5">
             <a:extLst>
               <a:ext uri="{FF2B5EF4-FFF2-40B4-BE49-F238E27FC236}">
-                <a16:creationId xmlns:a16="http://schemas.microsoft.com/office/drawing/2014/main" id="{5EB5F712-AEAD-444F-8BD0-DD1EAC2D410A}"/>
+                <a16:creationId xmlns:a16="http://schemas.microsoft.com/office/drawing/2014/main" xmlns="" id="{5EB5F712-AEAD-444F-8BD0-DD1EAC2D410A}"/>
               </a:ext>
             </a:extLst>
           </p:cNvPr>
@@ -10299,7 +10303,7 @@
           <p:cNvPr id="2" name="Título 1">
             <a:extLst>
               <a:ext uri="{FF2B5EF4-FFF2-40B4-BE49-F238E27FC236}">
-                <a16:creationId xmlns:a16="http://schemas.microsoft.com/office/drawing/2014/main" id="{D653E423-F0BD-43B4-94DB-84F1CACED21F}"/>
+                <a16:creationId xmlns:a16="http://schemas.microsoft.com/office/drawing/2014/main" xmlns="" id="{D653E423-F0BD-43B4-94DB-84F1CACED21F}"/>
               </a:ext>
             </a:extLst>
           </p:cNvPr>
@@ -10339,7 +10343,7 @@
           <p:cNvPr id="4" name="Marcador de contenido 3">
             <a:extLst>
               <a:ext uri="{FF2B5EF4-FFF2-40B4-BE49-F238E27FC236}">
-                <a16:creationId xmlns:a16="http://schemas.microsoft.com/office/drawing/2014/main" id="{929C859D-3613-4CC7-BEAD-0E2F424FA3E2}"/>
+                <a16:creationId xmlns:a16="http://schemas.microsoft.com/office/drawing/2014/main" xmlns="" id="{929C859D-3613-4CC7-BEAD-0E2F424FA3E2}"/>
               </a:ext>
             </a:extLst>
           </p:cNvPr>
@@ -10408,7 +10412,7 @@
           <p:cNvPr id="2" name="Título 1">
             <a:extLst>
               <a:ext uri="{FF2B5EF4-FFF2-40B4-BE49-F238E27FC236}">
-                <a16:creationId xmlns:a16="http://schemas.microsoft.com/office/drawing/2014/main" id="{40C00037-9920-454C-BCFF-C5FA2CF5B01E}"/>
+                <a16:creationId xmlns:a16="http://schemas.microsoft.com/office/drawing/2014/main" xmlns="" id="{40C00037-9920-454C-BCFF-C5FA2CF5B01E}"/>
               </a:ext>
             </a:extLst>
           </p:cNvPr>
@@ -10448,7 +10452,7 @@
           <p:cNvPr id="4" name="Marcador de contenido 3">
             <a:extLst>
               <a:ext uri="{FF2B5EF4-FFF2-40B4-BE49-F238E27FC236}">
-                <a16:creationId xmlns:a16="http://schemas.microsoft.com/office/drawing/2014/main" id="{E82CE433-5EEA-4D6C-969B-227F1B4C2B72}"/>
+                <a16:creationId xmlns:a16="http://schemas.microsoft.com/office/drawing/2014/main" xmlns="" id="{E82CE433-5EEA-4D6C-969B-227F1B4C2B72}"/>
               </a:ext>
             </a:extLst>
           </p:cNvPr>
